--- a/Python-Queues-and-Threads.pptx
+++ b/Python-Queues-and-Threads.pptx
@@ -5,7 +5,7 @@
     <p:sldMasterId id="2147483720" r:id="rId1"/>
   </p:sldMasterIdLst>
   <p:notesMasterIdLst>
-    <p:notesMasterId r:id="rId31"/>
+    <p:notesMasterId r:id="rId32"/>
   </p:notesMasterIdLst>
   <p:sldIdLst>
     <p:sldId id="326" r:id="rId2"/>
@@ -35,8 +35,9 @@
     <p:sldId id="353" r:id="rId26"/>
     <p:sldId id="349" r:id="rId27"/>
     <p:sldId id="354" r:id="rId28"/>
-    <p:sldId id="309" r:id="rId29"/>
-    <p:sldId id="310" r:id="rId30"/>
+    <p:sldId id="356" r:id="rId29"/>
+    <p:sldId id="309" r:id="rId30"/>
+    <p:sldId id="310" r:id="rId31"/>
   </p:sldIdLst>
   <p:sldSz cx="9144000" cy="6858000" type="screen4x3"/>
   <p:notesSz cx="6858000" cy="9144000"/>
@@ -237,7 +238,7 @@
             <a:fld id="{47ED80DD-F6DA-44C1-A591-E2B715E2A91E}" type="datetimeFigureOut">
               <a:rPr lang="en-US" smtClean="0"/>
               <a:pPr/>
-              <a:t>11/16/2019</a:t>
+              <a:t>11/22/2019</a:t>
             </a:fld>
             <a:endParaRPr lang="en-US"/>
           </a:p>
@@ -681,7 +682,7 @@
           <a:p>
             <a:fld id="{E1D2FC66-2EF6-4511-B556-01D1A0460130}" type="datetime1">
               <a:rPr lang="en-US" smtClean="0"/>
-              <a:t>11/16/2019</a:t>
+              <a:t>11/22/2019</a:t>
             </a:fld>
             <a:endParaRPr lang="en-US"/>
           </a:p>
@@ -851,7 +852,7 @@
           <a:p>
             <a:fld id="{28732F2B-A222-4798-B4BB-63844AFDFC7E}" type="datetime1">
               <a:rPr lang="en-US" smtClean="0"/>
-              <a:t>11/16/2019</a:t>
+              <a:t>11/22/2019</a:t>
             </a:fld>
             <a:endParaRPr lang="en-US"/>
           </a:p>
@@ -1031,7 +1032,7 @@
           <a:p>
             <a:fld id="{B5AB3303-4A9A-483D-9EFB-BB0E73894C25}" type="datetime1">
               <a:rPr lang="en-US" smtClean="0"/>
-              <a:t>11/16/2019</a:t>
+              <a:t>11/22/2019</a:t>
             </a:fld>
             <a:endParaRPr lang="en-US"/>
           </a:p>
@@ -1201,7 +1202,7 @@
           <a:p>
             <a:fld id="{C764C8E7-FA70-43FE-BD5F-EB40D345E9D6}" type="datetime1">
               <a:rPr lang="en-US" smtClean="0"/>
-              <a:t>11/16/2019</a:t>
+              <a:t>11/22/2019</a:t>
             </a:fld>
             <a:endParaRPr lang="en-US"/>
           </a:p>
@@ -1448,7 +1449,7 @@
           <a:p>
             <a:fld id="{C4C70DCD-D88F-4C86-BD73-DD76EEF27852}" type="datetime1">
               <a:rPr lang="en-US" smtClean="0"/>
-              <a:t>11/16/2019</a:t>
+              <a:t>11/22/2019</a:t>
             </a:fld>
             <a:endParaRPr lang="en-US"/>
           </a:p>
@@ -1717,7 +1718,7 @@
           <a:p>
             <a:fld id="{E74A450D-5761-44E4-8DD0-DCE73052696C}" type="datetime1">
               <a:rPr lang="en-US" smtClean="0"/>
-              <a:t>11/16/2019</a:t>
+              <a:t>11/22/2019</a:t>
             </a:fld>
             <a:endParaRPr lang="en-US"/>
           </a:p>
@@ -2100,7 +2101,7 @@
           <a:p>
             <a:fld id="{2557DA39-8436-4ADB-9A8F-F4CC684F3B1E}" type="datetime1">
               <a:rPr lang="en-US" smtClean="0"/>
-              <a:t>11/16/2019</a:t>
+              <a:t>11/22/2019</a:t>
             </a:fld>
             <a:endParaRPr lang="en-US"/>
           </a:p>
@@ -2255,7 +2256,7 @@
           <a:p>
             <a:fld id="{6FBC3203-B629-4AE2-986D-7622E02A95E3}" type="datetime1">
               <a:rPr lang="en-US" smtClean="0"/>
-              <a:t>11/16/2019</a:t>
+              <a:t>11/22/2019</a:t>
             </a:fld>
             <a:endParaRPr lang="en-US"/>
           </a:p>
@@ -2350,7 +2351,7 @@
           <a:p>
             <a:fld id="{F52EA5A7-CEB1-4574-BEEB-E805B4EB388F}" type="datetime1">
               <a:rPr lang="en-US" smtClean="0"/>
-              <a:t>11/16/2019</a:t>
+              <a:t>11/22/2019</a:t>
             </a:fld>
             <a:endParaRPr lang="en-US"/>
           </a:p>
@@ -2616,7 +2617,7 @@
           <a:p>
             <a:fld id="{CC5BB407-30E8-42D5-BDF8-C24A4DA471BD}" type="datetime1">
               <a:rPr lang="en-US" smtClean="0"/>
-              <a:t>11/16/2019</a:t>
+              <a:t>11/22/2019</a:t>
             </a:fld>
             <a:endParaRPr lang="en-US"/>
           </a:p>
@@ -2909,7 +2910,7 @@
           <a:p>
             <a:fld id="{6D85D170-59FE-498A-B307-E417F9D43043}" type="datetime1">
               <a:rPr lang="en-US" smtClean="0"/>
-              <a:t>11/16/2019</a:t>
+              <a:t>11/22/2019</a:t>
             </a:fld>
             <a:endParaRPr lang="en-US"/>
           </a:p>
@@ -3685,7 +3686,7 @@
           <a:p>
             <a:fld id="{42FEB834-2235-478E-A050-1B056F7E231E}" type="datetime1">
               <a:rPr lang="en-US" smtClean="0"/>
-              <a:t>11/16/2019</a:t>
+              <a:t>11/22/2019</a:t>
             </a:fld>
             <a:endParaRPr lang="en-US"/>
           </a:p>
@@ -4514,11 +4515,6 @@
               </a:rPr>
               <a:t>3.6.8</a:t>
             </a:r>
-            <a:endParaRPr lang="en-US" dirty="0">
-              <a:solidFill>
-                <a:srgbClr val="FFC000"/>
-              </a:solidFill>
-            </a:endParaRPr>
           </a:p>
         </p:txBody>
       </p:sp>
@@ -4539,15 +4535,7 @@
           <a:p>
             <a:r>
               <a:rPr lang="en-US" dirty="0" smtClean="0"/>
-              <a:t>Copyright (C) </a:t>
-            </a:r>
-            <a:r>
-              <a:rPr lang="en-US" dirty="0" smtClean="0"/>
-              <a:t>2019  </a:t>
-            </a:r>
-            <a:r>
-              <a:rPr lang="en-US" dirty="0" smtClean="0"/>
-              <a:t>D.J. Davis   All Rights Reserved</a:t>
+              <a:t>Copyright (C) 2019  D.J. Davis   All Rights Reserved</a:t>
             </a:r>
             <a:endParaRPr lang="en-US" dirty="0"/>
           </a:p>
@@ -4634,7 +4622,15 @@
           <a:p>
             <a:r>
               <a:rPr lang="en-US" dirty="0" smtClean="0"/>
-              <a:t>A queue is like a stack: can push data on, and pop data off. FIFO queue is like stack of plates at cafeteria</a:t>
+              <a:t>A queue is like a stack: can push data on, and pop data off. </a:t>
+            </a:r>
+            <a:r>
+              <a:rPr lang="en-US" dirty="0" smtClean="0"/>
+              <a:t>LIFO </a:t>
+            </a:r>
+            <a:r>
+              <a:rPr lang="en-US" dirty="0" smtClean="0"/>
+              <a:t>queue is like stack of plates at cafeteria</a:t>
             </a:r>
           </a:p>
           <a:p>
@@ -4655,15 +4651,7 @@
             </a:r>
             <a:r>
               <a:rPr lang="en-US" dirty="0" smtClean="0"/>
-              <a:t>   </a:t>
-            </a:r>
-            <a:r>
-              <a:rPr lang="en-US" dirty="0" smtClean="0"/>
-              <a:t>queue.Queue</a:t>
-            </a:r>
-            <a:r>
-              <a:rPr lang="en-US" dirty="0" smtClean="0"/>
-              <a:t> () </a:t>
+              <a:t>   queue.Queue () </a:t>
             </a:r>
           </a:p>
           <a:p>
@@ -4678,30 +4666,14 @@
             </a:r>
             <a:r>
               <a:rPr lang="en-US" dirty="0" smtClean="0"/>
-              <a:t>  </a:t>
-            </a:r>
-            <a:r>
-              <a:rPr lang="en-US" dirty="0" smtClean="0"/>
-              <a:t>queue.LifoQueue</a:t>
-            </a:r>
-            <a:r>
-              <a:rPr lang="en-US" dirty="0" smtClean="0"/>
-              <a:t> ()</a:t>
+              <a:t>  queue.LifoQueue ()</a:t>
             </a:r>
           </a:p>
           <a:p>
             <a:pPr lvl="3"/>
             <a:r>
               <a:rPr lang="en-US" dirty="0" smtClean="0"/>
-              <a:t>Priority Queue  </a:t>
-            </a:r>
-            <a:r>
-              <a:rPr lang="en-US" dirty="0" smtClean="0"/>
-              <a:t>queue.PriorityQueue</a:t>
-            </a:r>
-            <a:r>
-              <a:rPr lang="en-US" dirty="0" smtClean="0"/>
-              <a:t> ()</a:t>
+              <a:t>Priority Queue  queue.PriorityQueue ()</a:t>
             </a:r>
           </a:p>
           <a:p>
@@ -4741,15 +4713,7 @@
           <a:p>
             <a:r>
               <a:rPr lang="en-US" dirty="0" smtClean="0"/>
-              <a:t>Copyright (C) </a:t>
-            </a:r>
-            <a:r>
-              <a:rPr lang="en-US" dirty="0" smtClean="0"/>
-              <a:t>2019  </a:t>
-            </a:r>
-            <a:r>
-              <a:rPr lang="en-US" dirty="0" smtClean="0"/>
-              <a:t>D.J. Davis   All Rights Reserved</a:t>
+              <a:t>Copyright (C) 2019  D.J. Davis   All Rights Reserved</a:t>
             </a:r>
             <a:endParaRPr lang="en-US" dirty="0"/>
           </a:p>
@@ -4852,31 +4816,7 @@
             </a:pPr>
             <a:r>
               <a:rPr lang="en-US" dirty="0" smtClean="0"/>
-              <a:t>&lt;</a:t>
-            </a:r>
-            <a:r>
-              <a:rPr lang="en-US" dirty="0" smtClean="0"/>
-              <a:t>q_name</a:t>
-            </a:r>
-            <a:r>
-              <a:rPr lang="en-US" dirty="0" smtClean="0"/>
-              <a:t>&gt; = </a:t>
-            </a:r>
-            <a:r>
-              <a:rPr lang="en-US" dirty="0" smtClean="0"/>
-              <a:t>queue.LifoQueue</a:t>
-            </a:r>
-            <a:r>
-              <a:rPr lang="en-US" dirty="0" smtClean="0"/>
-              <a:t>()	     #bind </a:t>
-            </a:r>
-            <a:r>
-              <a:rPr lang="en-US" dirty="0" smtClean="0"/>
-              <a:t>var</a:t>
-            </a:r>
-            <a:r>
-              <a:rPr lang="en-US" dirty="0" smtClean="0"/>
-              <a:t> to method</a:t>
+              <a:t>&lt;q_name&gt; = queue.LifoQueue()	     #bind var to method</a:t>
             </a:r>
           </a:p>
           <a:p>
@@ -4889,15 +4829,24 @@
             </a:r>
             <a:r>
               <a:rPr lang="en-US" dirty="0"/>
-              <a:t>= </a:t>
-            </a:r>
+              <a:t>= queue.LifoQueue</a:t>
+            </a:r>
+            <a:r>
+              <a:rPr lang="en-US" dirty="0" smtClean="0"/>
+              <a:t>()</a:t>
+            </a:r>
+          </a:p>
+          <a:p>
+            <a:pPr marL="0" indent="0">
+              <a:buNone/>
+            </a:pPr>
             <a:r>
               <a:rPr lang="en-US" dirty="0"/>
-              <a:t>queue.LifoQueue</a:t>
-            </a:r>
-            <a:r>
-              <a:rPr lang="en-US" dirty="0" smtClean="0"/>
-              <a:t>()</a:t>
+              <a:t> contents = str (i) + " " + "x" * 20    </a:t>
+            </a:r>
+            <a:r>
+              <a:rPr lang="en-US" dirty="0" smtClean="0"/>
+              <a:t>#create data</a:t>
             </a:r>
           </a:p>
           <a:p>
@@ -4905,28 +4854,42 @@
               <a:buNone/>
             </a:pPr>
             <a:r>
+              <a:rPr lang="en-US" dirty="0" smtClean="0"/>
+              <a:t>q.put(contents)			   #store data in queue</a:t>
+            </a:r>
+          </a:p>
+          <a:p>
+            <a:pPr marL="0" indent="0">
+              <a:buNone/>
+            </a:pPr>
+            <a:r>
+              <a:rPr lang="en-US" dirty="0" smtClean="0"/>
+              <a:t>while </a:t>
+            </a:r>
+            <a:r>
               <a:rPr lang="en-US" dirty="0"/>
-              <a:t> contents = </a:t>
+              <a:t>not q.empty():    </a:t>
+            </a:r>
+            <a:r>
+              <a:rPr lang="en-US" dirty="0" smtClean="0"/>
+              <a:t> 		   #Test; read block</a:t>
+            </a:r>
+          </a:p>
+          <a:p>
+            <a:pPr marL="0" indent="0">
+              <a:buNone/>
+            </a:pPr>
+            <a:r>
+              <a:rPr lang="en-US" dirty="0" smtClean="0"/>
+              <a:t>q_content </a:t>
             </a:r>
             <a:r>
               <a:rPr lang="en-US" dirty="0"/>
-              <a:t>str</a:t>
-            </a:r>
-            <a:r>
-              <a:rPr lang="en-US" dirty="0"/>
-              <a:t> (</a:t>
-            </a:r>
-            <a:r>
-              <a:rPr lang="en-US" dirty="0"/>
-              <a:t>i</a:t>
-            </a:r>
-            <a:r>
-              <a:rPr lang="en-US" dirty="0"/>
-              <a:t>) + " " + "x" * 20    </a:t>
-            </a:r>
-            <a:r>
-              <a:rPr lang="en-US" dirty="0" smtClean="0"/>
-              <a:t>#create data</a:t>
+              <a:t>= q.get</a:t>
+            </a:r>
+            <a:r>
+              <a:rPr lang="en-US" dirty="0" smtClean="0"/>
+              <a:t>()			   #pop data off queue</a:t>
             </a:r>
           </a:p>
           <a:p>
@@ -4935,11 +4898,7 @@
             </a:pPr>
             <a:r>
               <a:rPr lang="en-US" dirty="0" smtClean="0"/>
-              <a:t>q.put</a:t>
-            </a:r>
-            <a:r>
-              <a:rPr lang="en-US" dirty="0" smtClean="0"/>
-              <a:t>(contents)			   #store data in queue</a:t>
+              <a:t>q.full					   #queue full?  T/F</a:t>
             </a:r>
           </a:p>
           <a:p>
@@ -4948,74 +4907,7 @@
             </a:pPr>
             <a:r>
               <a:rPr lang="en-US" dirty="0" smtClean="0"/>
-              <a:t>while </a:t>
-            </a:r>
-            <a:r>
-              <a:rPr lang="en-US" dirty="0"/>
-              <a:t>not </a:t>
-            </a:r>
-            <a:r>
-              <a:rPr lang="en-US" dirty="0"/>
-              <a:t>q.empty</a:t>
-            </a:r>
-            <a:r>
-              <a:rPr lang="en-US" dirty="0"/>
-              <a:t>():    </a:t>
-            </a:r>
-            <a:r>
-              <a:rPr lang="en-US" dirty="0" smtClean="0"/>
-              <a:t> 		   #Test; read block</a:t>
-            </a:r>
-          </a:p>
-          <a:p>
-            <a:pPr marL="0" indent="0">
-              <a:buNone/>
-            </a:pPr>
-            <a:r>
-              <a:rPr lang="en-US" dirty="0" smtClean="0"/>
-              <a:t>q_content</a:t>
-            </a:r>
-            <a:r>
-              <a:rPr lang="en-US" dirty="0" smtClean="0"/>
-              <a:t> </a:t>
-            </a:r>
-            <a:r>
-              <a:rPr lang="en-US" dirty="0"/>
-              <a:t>= </a:t>
-            </a:r>
-            <a:r>
-              <a:rPr lang="en-US" dirty="0"/>
-              <a:t>q.get</a:t>
-            </a:r>
-            <a:r>
-              <a:rPr lang="en-US" dirty="0" smtClean="0"/>
-              <a:t>()			   #pop data off queue</a:t>
-            </a:r>
-          </a:p>
-          <a:p>
-            <a:pPr marL="0" indent="0">
-              <a:buNone/>
-            </a:pPr>
-            <a:r>
-              <a:rPr lang="en-US" dirty="0" smtClean="0"/>
-              <a:t>q.full</a:t>
-            </a:r>
-            <a:r>
-              <a:rPr lang="en-US" dirty="0" smtClean="0"/>
-              <a:t>					   #queue full?  T/F</a:t>
-            </a:r>
-          </a:p>
-          <a:p>
-            <a:pPr marL="0" indent="0">
-              <a:buNone/>
-            </a:pPr>
-            <a:r>
-              <a:rPr lang="en-US" dirty="0" smtClean="0"/>
-              <a:t>q.size</a:t>
-            </a:r>
-            <a:r>
-              <a:rPr lang="en-US" dirty="0" smtClean="0"/>
-              <a:t> 					   #get number of items</a:t>
+              <a:t>q.size 					   #get number of items</a:t>
             </a:r>
           </a:p>
         </p:txBody>
@@ -5037,15 +4929,7 @@
           <a:p>
             <a:r>
               <a:rPr lang="en-US" dirty="0" smtClean="0"/>
-              <a:t>Copyright (C) </a:t>
-            </a:r>
-            <a:r>
-              <a:rPr lang="en-US" dirty="0" smtClean="0"/>
-              <a:t>2019  </a:t>
-            </a:r>
-            <a:r>
-              <a:rPr lang="en-US" dirty="0" smtClean="0"/>
-              <a:t>D.J. Davis   All Rights Reserved</a:t>
+              <a:t>Copyright (C) 2019  D.J. Davis   All Rights Reserved</a:t>
             </a:r>
             <a:endParaRPr lang="en-US" dirty="0"/>
           </a:p>
@@ -5135,15 +5019,7 @@
             </a:pPr>
             <a:r>
               <a:rPr lang="en-US" dirty="0"/>
-              <a:t>#!/</a:t>
-            </a:r>
-            <a:r>
-              <a:rPr lang="en-US" dirty="0"/>
-              <a:t>usr</a:t>
-            </a:r>
-            <a:r>
-              <a:rPr lang="en-US" dirty="0"/>
-              <a:t>/bin/python3.6</a:t>
+              <a:t>#!/usr/bin/python3.6</a:t>
             </a:r>
             <a:endParaRPr lang="en-US" dirty="0" smtClean="0"/>
           </a:p>
@@ -5178,15 +5054,28 @@
             </a:r>
             <a:r>
               <a:rPr lang="en-US" dirty="0"/>
-              <a:t>= </a:t>
+              <a:t>= queue.Queue</a:t>
+            </a:r>
+            <a:r>
+              <a:rPr lang="en-US" dirty="0" smtClean="0"/>
+              <a:t>()</a:t>
+            </a:r>
+          </a:p>
+          <a:p>
+            <a:pPr marL="0" indent="0">
+              <a:buNone/>
+            </a:pPr>
+            <a:r>
+              <a:rPr lang="en-US" dirty="0" smtClean="0"/>
+              <a:t>for </a:t>
             </a:r>
             <a:r>
               <a:rPr lang="en-US" dirty="0"/>
-              <a:t>queue.Queue</a:t>
-            </a:r>
-            <a:r>
-              <a:rPr lang="en-US" dirty="0" smtClean="0"/>
-              <a:t>()</a:t>
+              <a:t>i in range(1, 5</a:t>
+            </a:r>
+            <a:r>
+              <a:rPr lang="en-US" dirty="0" smtClean="0"/>
+              <a:t>):</a:t>
             </a:r>
           </a:p>
           <a:p>
@@ -5195,48 +5084,11 @@
             </a:pPr>
             <a:r>
               <a:rPr lang="en-US" dirty="0" smtClean="0"/>
-              <a:t>for </a:t>
+              <a:t>    </a:t>
             </a:r>
             <a:r>
               <a:rPr lang="en-US" dirty="0"/>
-              <a:t>i</a:t>
-            </a:r>
-            <a:r>
-              <a:rPr lang="en-US" dirty="0"/>
-              <a:t> in range(1, 5</a:t>
-            </a:r>
-            <a:r>
-              <a:rPr lang="en-US" dirty="0" smtClean="0"/>
-              <a:t>):</a:t>
-            </a:r>
-          </a:p>
-          <a:p>
-            <a:pPr marL="0" indent="0">
-              <a:buNone/>
-            </a:pPr>
-            <a:r>
-              <a:rPr lang="en-US" dirty="0" smtClean="0"/>
-              <a:t>    </a:t>
-            </a:r>
-            <a:r>
-              <a:rPr lang="en-US" dirty="0"/>
-              <a:t>contents = </a:t>
-            </a:r>
-            <a:r>
-              <a:rPr lang="en-US" dirty="0"/>
-              <a:t>str</a:t>
-            </a:r>
-            <a:r>
-              <a:rPr lang="en-US" dirty="0"/>
-              <a:t> (</a:t>
-            </a:r>
-            <a:r>
-              <a:rPr lang="en-US" dirty="0"/>
-              <a:t>i</a:t>
-            </a:r>
-            <a:r>
-              <a:rPr lang="en-US" dirty="0"/>
-              <a:t>) + " " + "x" * </a:t>
+              <a:t>contents = str (i) + " " + "x" * </a:t>
             </a:r>
             <a:r>
               <a:rPr lang="en-US" dirty="0" smtClean="0"/>
@@ -5266,15 +5118,7 @@
             </a:pPr>
             <a:r>
               <a:rPr lang="en-US" dirty="0" smtClean="0"/>
-              <a:t>    </a:t>
-            </a:r>
-            <a:r>
-              <a:rPr lang="en-US" dirty="0" smtClean="0"/>
-              <a:t>q.put</a:t>
-            </a:r>
-            <a:r>
-              <a:rPr lang="en-US" dirty="0" smtClean="0"/>
-              <a:t>(contents)</a:t>
+              <a:t>    q.put(contents)</a:t>
             </a:r>
           </a:p>
           <a:p>
@@ -5287,19 +5131,7 @@
             </a:r>
             <a:r>
               <a:rPr lang="en-US" dirty="0"/>
-              <a:t>("   (Done)" + </a:t>
-            </a:r>
-            <a:r>
-              <a:rPr lang="en-US" dirty="0"/>
-              <a:t>str</a:t>
-            </a:r>
-            <a:r>
-              <a:rPr lang="en-US" dirty="0"/>
-              <a:t>(</a:t>
-            </a:r>
-            <a:r>
-              <a:rPr lang="en-US" dirty="0"/>
-              <a:t>i</a:t>
+              <a:t>("   (Done)" + str(i</a:t>
             </a:r>
             <a:r>
               <a:rPr lang="en-US" dirty="0" smtClean="0"/>
@@ -5418,15 +5250,7 @@
           <a:p>
             <a:r>
               <a:rPr lang="en-US" dirty="0" smtClean="0"/>
-              <a:t>Copyright (C) </a:t>
-            </a:r>
-            <a:r>
-              <a:rPr lang="en-US" dirty="0" smtClean="0"/>
-              <a:t>2019  </a:t>
-            </a:r>
-            <a:r>
-              <a:rPr lang="en-US" dirty="0" smtClean="0"/>
-              <a:t>D.J. Davis   All Rights Reserved</a:t>
+              <a:t>Copyright (C) 2019  D.J. Davis   All Rights Reserved</a:t>
             </a:r>
             <a:endParaRPr lang="en-US" dirty="0"/>
           </a:p>
@@ -5580,15 +5404,7 @@
           <a:p>
             <a:r>
               <a:rPr lang="en-US" dirty="0" smtClean="0"/>
-              <a:t>Copyright (C) </a:t>
-            </a:r>
-            <a:r>
-              <a:rPr lang="en-US" dirty="0" smtClean="0"/>
-              <a:t>2019  </a:t>
-            </a:r>
-            <a:r>
-              <a:rPr lang="en-US" dirty="0" smtClean="0"/>
-              <a:t>D.J. Davis   All Rights Reserved</a:t>
+              <a:t>Copyright (C) 2019  D.J. Davis   All Rights Reserved</a:t>
             </a:r>
             <a:endParaRPr lang="en-US" dirty="0"/>
           </a:p>
@@ -5650,11 +5466,7 @@
           <a:p>
             <a:r>
               <a:rPr lang="en-US" sz="3600" dirty="0" smtClean="0"/>
-              <a:t>Threading</a:t>
-            </a:r>
-            <a:r>
-              <a:rPr lang="en-US" sz="3600" dirty="0" smtClean="0"/>
-              <a:t> – Program Elements</a:t>
+              <a:t>Threading – Program Elements</a:t>
             </a:r>
             <a:endParaRPr lang="en-US" sz="3600" dirty="0"/>
           </a:p>
@@ -5820,15 +5632,7 @@
           <a:p>
             <a:r>
               <a:rPr lang="en-US" dirty="0" smtClean="0"/>
-              <a:t>Copyright (C) </a:t>
-            </a:r>
-            <a:r>
-              <a:rPr lang="en-US" dirty="0" smtClean="0"/>
-              <a:t>2019  </a:t>
-            </a:r>
-            <a:r>
-              <a:rPr lang="en-US" dirty="0" smtClean="0"/>
-              <a:t>D.J. Davis   All Rights Reserved</a:t>
+              <a:t>Copyright (C) 2019  D.J. Davis   All Rights Reserved</a:t>
             </a:r>
             <a:endParaRPr lang="en-US" dirty="0"/>
           </a:p>
@@ -5985,15 +5789,7 @@
           <a:p>
             <a:r>
               <a:rPr lang="en-US" dirty="0" smtClean="0"/>
-              <a:t>Copyright (C) </a:t>
-            </a:r>
-            <a:r>
-              <a:rPr lang="en-US" dirty="0" smtClean="0"/>
-              <a:t>2019  </a:t>
-            </a:r>
-            <a:r>
-              <a:rPr lang="en-US" dirty="0" smtClean="0"/>
-              <a:t>D.J. Davis   All Rights Reserved</a:t>
+              <a:t>Copyright (C) 2019  D.J. Davis   All Rights Reserved</a:t>
             </a:r>
             <a:endParaRPr lang="en-US" dirty="0"/>
           </a:p>
@@ -6212,15 +6008,7 @@
           <a:p>
             <a:r>
               <a:rPr lang="en-US" dirty="0" smtClean="0"/>
-              <a:t>Copyright (C) </a:t>
-            </a:r>
-            <a:r>
-              <a:rPr lang="en-US" dirty="0" smtClean="0"/>
-              <a:t>2019  </a:t>
-            </a:r>
-            <a:r>
-              <a:rPr lang="en-US" dirty="0" smtClean="0"/>
-              <a:t>D.J. Davis   All Rights Reserved</a:t>
+              <a:t>Copyright (C) 2019  D.J. Davis   All Rights Reserved</a:t>
             </a:r>
             <a:endParaRPr lang="en-US" dirty="0"/>
           </a:p>
@@ -6398,15 +6186,7 @@
           <a:p>
             <a:r>
               <a:rPr lang="en-US" dirty="0" smtClean="0"/>
-              <a:t>Copyright (C) </a:t>
-            </a:r>
-            <a:r>
-              <a:rPr lang="en-US" dirty="0" smtClean="0"/>
-              <a:t>2019  </a:t>
-            </a:r>
-            <a:r>
-              <a:rPr lang="en-US" dirty="0" smtClean="0"/>
-              <a:t>D.J. Davis   All Rights Reserved</a:t>
+              <a:t>Copyright (C) 2019  D.J. Davis   All Rights Reserved</a:t>
             </a:r>
             <a:endParaRPr lang="en-US" dirty="0"/>
           </a:p>
@@ -6512,15 +6292,7 @@
           <a:p>
             <a:r>
               <a:rPr lang="en-US" dirty="0" smtClean="0"/>
-              <a:t>Copyright (C) </a:t>
-            </a:r>
-            <a:r>
-              <a:rPr lang="en-US" dirty="0" smtClean="0"/>
-              <a:t>2019  </a:t>
-            </a:r>
-            <a:r>
-              <a:rPr lang="en-US" dirty="0" smtClean="0"/>
-              <a:t>D.J. Davis   All Rights Reserved</a:t>
+              <a:t>Copyright (C) 2019  D.J. Davis   All Rights Reserved</a:t>
             </a:r>
             <a:endParaRPr lang="en-US" dirty="0"/>
           </a:p>
@@ -6613,11 +6385,6 @@
               </a:rPr>
               <a:t>RVALUG - Richmond VA Linux Users Group</a:t>
             </a:r>
-            <a:endParaRPr lang="en-US" dirty="0" smtClean="0">
-              <a:solidFill>
-                <a:srgbClr val="C00000"/>
-              </a:solidFill>
-            </a:endParaRPr>
           </a:p>
           <a:p>
             <a:r>
@@ -6779,15 +6546,7 @@
           <a:p>
             <a:r>
               <a:rPr lang="en-US" dirty="0" smtClean="0"/>
-              <a:t>Copyright (C) </a:t>
-            </a:r>
-            <a:r>
-              <a:rPr lang="en-US" dirty="0" smtClean="0"/>
-              <a:t>2019  </a:t>
-            </a:r>
-            <a:r>
-              <a:rPr lang="en-US" dirty="0" smtClean="0"/>
-              <a:t>D.J. Davis   All Rights Reserved</a:t>
+              <a:t>Copyright (C) 2019  D.J. Davis   All Rights Reserved</a:t>
             </a:r>
             <a:endParaRPr lang="en-US" dirty="0"/>
           </a:p>
@@ -7032,15 +6791,7 @@
           <a:p>
             <a:r>
               <a:rPr lang="en-US" dirty="0" smtClean="0"/>
-              <a:t>Copyright (C) </a:t>
-            </a:r>
-            <a:r>
-              <a:rPr lang="en-US" dirty="0" smtClean="0"/>
-              <a:t>2019  </a:t>
-            </a:r>
-            <a:r>
-              <a:rPr lang="en-US" dirty="0" smtClean="0"/>
-              <a:t>D.J. Davis   All Rights Reserved</a:t>
+              <a:t>Copyright (C) 2019  D.J. Davis   All Rights Reserved</a:t>
             </a:r>
             <a:endParaRPr lang="en-US" dirty="0"/>
           </a:p>
@@ -7197,15 +6948,7 @@
           <a:p>
             <a:r>
               <a:rPr lang="en-US" dirty="0" smtClean="0"/>
-              <a:t>Copyright (C) </a:t>
-            </a:r>
-            <a:r>
-              <a:rPr lang="en-US" dirty="0" smtClean="0"/>
-              <a:t>2019  </a:t>
-            </a:r>
-            <a:r>
-              <a:rPr lang="en-US" dirty="0" smtClean="0"/>
-              <a:t>D.J. Davis   All Rights Reserved</a:t>
+              <a:t>Copyright (C) 2019  D.J. Davis   All Rights Reserved</a:t>
             </a:r>
             <a:endParaRPr lang="en-US" dirty="0"/>
           </a:p>
@@ -7319,15 +7062,7 @@
           <a:p>
             <a:r>
               <a:rPr lang="en-US" dirty="0" smtClean="0"/>
-              <a:t>Copyright (C) </a:t>
-            </a:r>
-            <a:r>
-              <a:rPr lang="en-US" dirty="0" smtClean="0"/>
-              <a:t>2019  </a:t>
-            </a:r>
-            <a:r>
-              <a:rPr lang="en-US" dirty="0" smtClean="0"/>
-              <a:t>D.J. Davis   All Rights Reserved</a:t>
+              <a:t>Copyright (C) 2019  D.J. Davis   All Rights Reserved</a:t>
             </a:r>
             <a:endParaRPr lang="en-US" dirty="0"/>
           </a:p>
@@ -7439,15 +7174,7 @@
           <a:p>
             <a:r>
               <a:rPr lang="en-US" dirty="0" smtClean="0"/>
-              <a:t>Copyright (C) </a:t>
-            </a:r>
-            <a:r>
-              <a:rPr lang="en-US" dirty="0" smtClean="0"/>
-              <a:t>2019  </a:t>
-            </a:r>
-            <a:r>
-              <a:rPr lang="en-US" dirty="0" smtClean="0"/>
-              <a:t>D.J. Davis   All Rights Reserved</a:t>
+              <a:t>Copyright (C) 2019  D.J. Davis   All Rights Reserved</a:t>
             </a:r>
             <a:endParaRPr lang="en-US" dirty="0"/>
           </a:p>
@@ -7574,15 +7301,7 @@
           <a:p>
             <a:r>
               <a:rPr lang="en-US" dirty="0" smtClean="0"/>
-              <a:t>Copyright (C) </a:t>
-            </a:r>
-            <a:r>
-              <a:rPr lang="en-US" dirty="0" smtClean="0"/>
-              <a:t>2019  </a:t>
-            </a:r>
-            <a:r>
-              <a:rPr lang="en-US" dirty="0" smtClean="0"/>
-              <a:t>D.J. Davis   All Rights Reserved</a:t>
+              <a:t>Copyright (C) 2019  D.J. Davis   All Rights Reserved</a:t>
             </a:r>
             <a:endParaRPr lang="en-US" dirty="0"/>
           </a:p>
@@ -7872,15 +7591,7 @@
           <a:p>
             <a:r>
               <a:rPr lang="en-US" dirty="0" smtClean="0"/>
-              <a:t>Copyright (C) </a:t>
-            </a:r>
-            <a:r>
-              <a:rPr lang="en-US" dirty="0" smtClean="0"/>
-              <a:t>2019  </a:t>
-            </a:r>
-            <a:r>
-              <a:rPr lang="en-US" dirty="0" smtClean="0"/>
-              <a:t>D.J. Davis   All Rights Reserved</a:t>
+              <a:t>Copyright (C) 2019  D.J. Davis   All Rights Reserved</a:t>
             </a:r>
             <a:endParaRPr lang="en-US" dirty="0"/>
           </a:p>
@@ -8001,15 +7712,7 @@
           <a:p>
             <a:r>
               <a:rPr lang="en-US" dirty="0" smtClean="0"/>
-              <a:t>Copyright (C) </a:t>
-            </a:r>
-            <a:r>
-              <a:rPr lang="en-US" dirty="0" smtClean="0"/>
-              <a:t>2019  </a:t>
-            </a:r>
-            <a:r>
-              <a:rPr lang="en-US" dirty="0" smtClean="0"/>
-              <a:t>D.J. Davis   All Rights Reserved</a:t>
+              <a:t>Copyright (C) 2019  D.J. Davis   All Rights Reserved</a:t>
             </a:r>
             <a:endParaRPr lang="en-US" dirty="0"/>
           </a:p>
@@ -8054,51 +7757,84 @@
       </p:grpSpPr>
       <p:sp>
         <p:nvSpPr>
-          <p:cNvPr id="4" name="Title 3"/>
-          <p:cNvSpPr>
-            <a:spLocks noGrp="1"/>
-          </p:cNvSpPr>
-          <p:nvPr>
-            <p:ph type="ctrTitle"/>
+          <p:cNvPr id="2" name="Title 1"/>
+          <p:cNvSpPr>
+            <a:spLocks noGrp="1"/>
+          </p:cNvSpPr>
+          <p:nvPr>
+            <p:ph type="title"/>
           </p:nvPr>
         </p:nvSpPr>
         <p:spPr/>
         <p:txBody>
           <a:bodyPr>
-            <a:normAutofit fontScale="90000"/>
+            <a:normAutofit/>
           </a:bodyPr>
           <a:lstStyle/>
           <a:p>
-            <a:r>
-              <a:rPr lang="en-US" dirty="0" smtClean="0"/>
-              <a:t>Q &amp; A</a:t>
-            </a:r>
-            <a:br>
-              <a:rPr lang="en-US" dirty="0" smtClean="0"/>
-            </a:br>
-            <a:r>
-              <a:rPr lang="en-US" dirty="0" smtClean="0"/>
-              <a:t/>
-            </a:r>
-            <a:br>
-              <a:rPr lang="en-US" dirty="0" smtClean="0"/>
-            </a:br>
-            <a:r>
-              <a:rPr lang="en-US" dirty="0" smtClean="0"/>
-              <a:t>Yay!</a:t>
-            </a:r>
+            <a:endParaRPr lang="en-US" sz="3600" dirty="0"/>
+          </a:p>
+        </p:txBody>
+      </p:sp>
+      <p:sp>
+        <p:nvSpPr>
+          <p:cNvPr id="3" name="Content Placeholder 2"/>
+          <p:cNvSpPr>
+            <a:spLocks noGrp="1"/>
+          </p:cNvSpPr>
+          <p:nvPr>
+            <p:ph idx="1"/>
+          </p:nvPr>
+        </p:nvSpPr>
+        <p:spPr/>
+        <p:txBody>
+          <a:bodyPr>
+            <a:normAutofit/>
+          </a:bodyPr>
+          <a:lstStyle/>
+          <a:p>
+            <a:pPr marL="0" indent="0">
+              <a:buNone/>
+            </a:pPr>
+            <a:r>
+              <a:rPr lang="en-US" dirty="0" smtClean="0"/>
+              <a:t>Presentation and Program Files on </a:t>
+            </a:r>
+            <a:r>
+              <a:rPr lang="en-US" dirty="0" err="1" smtClean="0"/>
+              <a:t>Github</a:t>
+            </a:r>
+            <a:r>
+              <a:rPr lang="en-US" dirty="0" smtClean="0"/>
+              <a:t>:</a:t>
+            </a:r>
+          </a:p>
+          <a:p>
+            <a:pPr marL="0" indent="0">
+              <a:buNone/>
+            </a:pPr>
             <a:endParaRPr lang="en-US" dirty="0"/>
           </a:p>
-        </p:txBody>
-      </p:sp>
-      <p:sp>
-        <p:nvSpPr>
-          <p:cNvPr id="5" name="Subtitle 4"/>
-          <p:cNvSpPr>
-            <a:spLocks noGrp="1"/>
-          </p:cNvSpPr>
-          <p:nvPr>
-            <p:ph type="subTitle" idx="1"/>
+          <a:p>
+            <a:pPr marL="0" indent="0">
+              <a:buNone/>
+            </a:pPr>
+            <a:r>
+              <a:rPr lang="en-US" sz="2000" dirty="0"/>
+              <a:t>https://github.com/ipv3/python-queue-thread-demo</a:t>
+            </a:r>
+            <a:endParaRPr lang="en-US" sz="2000" dirty="0" smtClean="0"/>
+          </a:p>
+        </p:txBody>
+      </p:sp>
+      <p:sp>
+        <p:nvSpPr>
+          <p:cNvPr id="4" name="Footer Placeholder 3"/>
+          <p:cNvSpPr>
+            <a:spLocks noGrp="1"/>
+          </p:cNvSpPr>
+          <p:nvPr>
+            <p:ph type="ftr" sz="quarter" idx="11"/>
           </p:nvPr>
         </p:nvSpPr>
         <p:spPr/>
@@ -8106,11 +7842,20 @@
           <a:bodyPr/>
           <a:lstStyle/>
           <a:p>
-            <a:endParaRPr lang="en-US"/>
+            <a:r>
+              <a:rPr lang="en-US" dirty="0" smtClean="0"/>
+              <a:t>Copyright (C) 2019  D.J. Davis   All Rights Reserved</a:t>
+            </a:r>
+            <a:endParaRPr lang="en-US" dirty="0"/>
           </a:p>
         </p:txBody>
       </p:sp>
     </p:spTree>
+    <p:extLst>
+      <p:ext uri="{BB962C8B-B14F-4D97-AF65-F5344CB8AC3E}">
+        <p14:creationId xmlns:p14="http://schemas.microsoft.com/office/powerpoint/2010/main" val="2624595025"/>
+      </p:ext>
+    </p:extLst>
   </p:cSld>
   <p:clrMapOvr>
     <a:masterClrMapping/>
@@ -8144,12 +7889,51 @@
       </p:grpSpPr>
       <p:sp>
         <p:nvSpPr>
-          <p:cNvPr id="2" name="Title 1"/>
-          <p:cNvSpPr>
-            <a:spLocks noGrp="1"/>
-          </p:cNvSpPr>
-          <p:nvPr>
-            <p:ph type="title"/>
+          <p:cNvPr id="4" name="Title 3"/>
+          <p:cNvSpPr>
+            <a:spLocks noGrp="1"/>
+          </p:cNvSpPr>
+          <p:nvPr>
+            <p:ph type="ctrTitle"/>
+          </p:nvPr>
+        </p:nvSpPr>
+        <p:spPr/>
+        <p:txBody>
+          <a:bodyPr>
+            <a:normAutofit fontScale="90000"/>
+          </a:bodyPr>
+          <a:lstStyle/>
+          <a:p>
+            <a:r>
+              <a:rPr lang="en-US" dirty="0" smtClean="0"/>
+              <a:t>Q &amp; A</a:t>
+            </a:r>
+            <a:br>
+              <a:rPr lang="en-US" dirty="0" smtClean="0"/>
+            </a:br>
+            <a:r>
+              <a:rPr lang="en-US" dirty="0" smtClean="0"/>
+              <a:t/>
+            </a:r>
+            <a:br>
+              <a:rPr lang="en-US" dirty="0" smtClean="0"/>
+            </a:br>
+            <a:r>
+              <a:rPr lang="en-US" dirty="0" smtClean="0"/>
+              <a:t>Yay!</a:t>
+            </a:r>
+            <a:endParaRPr lang="en-US" dirty="0"/>
+          </a:p>
+        </p:txBody>
+      </p:sp>
+      <p:sp>
+        <p:nvSpPr>
+          <p:cNvPr id="5" name="Subtitle 4"/>
+          <p:cNvSpPr>
+            <a:spLocks noGrp="1"/>
+          </p:cNvSpPr>
+          <p:nvPr>
+            <p:ph type="subTitle" idx="1"/>
           </p:nvPr>
         </p:nvSpPr>
         <p:spPr/>
@@ -8157,261 +7941,7 @@
           <a:bodyPr/>
           <a:lstStyle/>
           <a:p>
-            <a:endParaRPr lang="en-US" dirty="0"/>
-          </a:p>
-        </p:txBody>
-      </p:sp>
-      <p:sp>
-        <p:nvSpPr>
-          <p:cNvPr id="3" name="Content Placeholder 2"/>
-          <p:cNvSpPr>
-            <a:spLocks noGrp="1"/>
-          </p:cNvSpPr>
-          <p:nvPr>
-            <p:ph idx="1"/>
-          </p:nvPr>
-        </p:nvSpPr>
-        <p:spPr/>
-        <p:txBody>
-          <a:bodyPr>
-            <a:normAutofit fontScale="62500" lnSpcReduction="20000"/>
-          </a:bodyPr>
-          <a:lstStyle/>
-          <a:p>
-            <a:endParaRPr lang="en-US" dirty="0" smtClean="0"/>
-          </a:p>
-          <a:p>
-            <a:endParaRPr lang="en-US" dirty="0" smtClean="0"/>
-          </a:p>
-          <a:p>
-            <a:endParaRPr lang="en-US" dirty="0" smtClean="0"/>
-          </a:p>
-          <a:p>
-            <a:pPr>
-              <a:buNone/>
-            </a:pPr>
-            <a:endParaRPr lang="en-US" i="1" dirty="0" smtClean="0">
-              <a:solidFill>
-                <a:srgbClr val="00B050"/>
-              </a:solidFill>
-            </a:endParaRPr>
-          </a:p>
-          <a:p>
-            <a:pPr>
-              <a:buNone/>
-            </a:pPr>
-            <a:endParaRPr lang="en-US" i="1" dirty="0" smtClean="0">
-              <a:solidFill>
-                <a:srgbClr val="00B050"/>
-              </a:solidFill>
-            </a:endParaRPr>
-          </a:p>
-          <a:p>
-            <a:pPr>
-              <a:buNone/>
-            </a:pPr>
-            <a:r>
-              <a:rPr lang="en-US" i="1" dirty="0" smtClean="0">
-                <a:solidFill>
-                  <a:srgbClr val="00B050"/>
-                </a:solidFill>
-              </a:rPr>
-              <a:t>About the author:</a:t>
-            </a:r>
-            <a:endParaRPr lang="en-US" dirty="0" smtClean="0">
-              <a:solidFill>
-                <a:srgbClr val="00B050"/>
-              </a:solidFill>
-            </a:endParaRPr>
-          </a:p>
-          <a:p>
-            <a:pPr>
-              <a:buNone/>
-            </a:pPr>
-            <a:r>
-              <a:rPr lang="en-US" b="1" dirty="0" smtClean="0">
-                <a:solidFill>
-                  <a:srgbClr val="002060"/>
-                </a:solidFill>
-              </a:rPr>
-              <a:t>D.J. Davis</a:t>
-            </a:r>
-            <a:r>
-              <a:rPr lang="en-US" dirty="0" smtClean="0">
-                <a:solidFill>
-                  <a:srgbClr val="002060"/>
-                </a:solidFill>
-              </a:rPr>
-              <a:t> is a Technologist with the Federal Government. Previously, he worked as a Sustaining Team Lead / Team Manager with the Richmond Engineering R&amp;D center of </a:t>
-            </a:r>
-            <a:r>
-              <a:rPr lang="en-US" dirty="0" err="1" smtClean="0">
-                <a:solidFill>
-                  <a:srgbClr val="C00000"/>
-                </a:solidFill>
-              </a:rPr>
-              <a:t>Acision</a:t>
-            </a:r>
-            <a:r>
-              <a:rPr lang="en-US" dirty="0" smtClean="0">
-                <a:solidFill>
-                  <a:srgbClr val="C00000"/>
-                </a:solidFill>
-              </a:rPr>
-              <a:t> LLC</a:t>
-            </a:r>
-            <a:r>
-              <a:rPr lang="en-US" dirty="0" smtClean="0">
-                <a:solidFill>
-                  <a:srgbClr val="002060"/>
-                </a:solidFill>
-              </a:rPr>
-              <a:t>, </a:t>
-            </a:r>
-            <a:r>
-              <a:rPr lang="en-US" dirty="0">
-                <a:solidFill>
-                  <a:srgbClr val="002060"/>
-                </a:solidFill>
-              </a:rPr>
-              <a:t>a</a:t>
-            </a:r>
-            <a:r>
-              <a:rPr lang="en-US" dirty="0" smtClean="0">
-                <a:solidFill>
-                  <a:srgbClr val="002060"/>
-                </a:solidFill>
-              </a:rPr>
-              <a:t> career college instructor, an integration contractor for the Navy, a WAN Design engineer with WorldCom, and multiple positions at the City of Richmond (network engineer, systems engineer, senior programmer/analyst).</a:t>
-            </a:r>
-          </a:p>
-          <a:p>
-            <a:pPr>
-              <a:buNone/>
-            </a:pPr>
-            <a:r>
-              <a:rPr lang="en-US" dirty="0" smtClean="0">
-                <a:solidFill>
-                  <a:srgbClr val="002060"/>
-                </a:solidFill>
-              </a:rPr>
-              <a:t>	</a:t>
-            </a:r>
-          </a:p>
-          <a:p>
-            <a:pPr>
-              <a:buNone/>
-            </a:pPr>
-            <a:r>
-              <a:rPr lang="en-US" dirty="0" smtClean="0">
-                <a:solidFill>
-                  <a:srgbClr val="002060"/>
-                </a:solidFill>
-              </a:rPr>
-              <a:t>	D.J. is a Richmond native who attended Virginia Commonwealth University where he majored in Information Systems</a:t>
-            </a:r>
-            <a:r>
-              <a:rPr lang="en-US" dirty="0">
-                <a:solidFill>
-                  <a:srgbClr val="002060"/>
-                </a:solidFill>
-              </a:rPr>
-              <a:t> </a:t>
-            </a:r>
-            <a:r>
-              <a:rPr lang="en-US" dirty="0" smtClean="0">
-                <a:solidFill>
-                  <a:srgbClr val="002060"/>
-                </a:solidFill>
-              </a:rPr>
-              <a:t>at the School of Business.  He returned to VCU to earn an M.S. in Business with a concentration in IT Management (VCU FTEMS).</a:t>
-            </a:r>
-          </a:p>
-          <a:p>
-            <a:pPr>
-              <a:buNone/>
-            </a:pPr>
-            <a:endParaRPr lang="en-US" dirty="0" smtClean="0">
-              <a:solidFill>
-                <a:srgbClr val="002060"/>
-              </a:solidFill>
-            </a:endParaRPr>
-          </a:p>
-          <a:p>
-            <a:pPr algn="ctr">
-              <a:buNone/>
-            </a:pPr>
-            <a:r>
-              <a:rPr lang="en-US" b="1" dirty="0" smtClean="0">
-                <a:solidFill>
-                  <a:srgbClr val="00B050"/>
-                </a:solidFill>
-              </a:rPr>
-              <a:t>Contact:</a:t>
-            </a:r>
-            <a:r>
-              <a:rPr lang="en-US" dirty="0" smtClean="0">
-                <a:solidFill>
-                  <a:srgbClr val="00B050"/>
-                </a:solidFill>
-              </a:rPr>
-              <a:t>  compugram_ltd@yahoo.com</a:t>
-            </a:r>
-          </a:p>
-          <a:p>
-            <a:pPr>
-              <a:buNone/>
-            </a:pPr>
-            <a:endParaRPr lang="en-US" dirty="0"/>
-          </a:p>
-        </p:txBody>
-      </p:sp>
-      <p:pic>
-        <p:nvPicPr>
-          <p:cNvPr id="4" name="Picture 2" descr="C:\Users\davisdj\AppData\Local\Microsoft\Windows\Temporary Internet Files\Content.IE5\3G47S375\MP900422756[1].jpg"/>
-          <p:cNvPicPr>
-            <a:picLocks noChangeAspect="1" noChangeArrowheads="1"/>
-          </p:cNvPicPr>
-          <p:nvPr/>
-        </p:nvPicPr>
-        <p:blipFill>
-          <a:blip r:embed="rId2" cstate="print"/>
-          <a:srcRect/>
-          <a:stretch>
-            <a:fillRect/>
-          </a:stretch>
-        </p:blipFill>
-        <p:spPr bwMode="auto">
-          <a:xfrm>
-            <a:off x="533400" y="228600"/>
-            <a:ext cx="2362200" cy="2362200"/>
-          </a:xfrm>
-          <a:prstGeom prst="rect">
-            <a:avLst/>
-          </a:prstGeom>
-          <a:noFill/>
-        </p:spPr>
-      </p:pic>
-      <p:sp>
-        <p:nvSpPr>
-          <p:cNvPr id="5" name="Footer Placeholder 4"/>
-          <p:cNvSpPr>
-            <a:spLocks noGrp="1"/>
-          </p:cNvSpPr>
-          <p:nvPr>
-            <p:ph type="ftr" sz="quarter" idx="11"/>
-          </p:nvPr>
-        </p:nvSpPr>
-        <p:spPr/>
-        <p:txBody>
-          <a:bodyPr/>
-          <a:lstStyle/>
-          <a:p>
-            <a:r>
-              <a:rPr lang="en-US" dirty="0" smtClean="0"/>
-              <a:t>Copyright (C) 2019  D.J. Davis   All Rights Reserved</a:t>
-            </a:r>
-            <a:endParaRPr lang="en-US" dirty="0"/>
+            <a:endParaRPr lang="en-US"/>
           </a:p>
         </p:txBody>
       </p:sp>
@@ -8517,11 +8047,7 @@
             </a:r>
             <a:r>
               <a:rPr lang="en-US" sz="2800" dirty="0" smtClean="0"/>
-              <a:t>Meeting</a:t>
-            </a:r>
-            <a:r>
-              <a:rPr lang="en-US" sz="2800" dirty="0" smtClean="0"/>
-              <a:t> </a:t>
+              <a:t>Meeting </a:t>
             </a:r>
             <a:r>
               <a:rPr lang="en-US" sz="2800" dirty="0"/>
@@ -8612,15 +8138,312 @@
           <a:p>
             <a:r>
               <a:rPr lang="en-US" dirty="0" smtClean="0"/>
-              <a:t>Copyright (C) </a:t>
-            </a:r>
-            <a:r>
-              <a:rPr lang="en-US" dirty="0" smtClean="0"/>
-              <a:t>2019  </a:t>
-            </a:r>
-            <a:r>
-              <a:rPr lang="en-US" dirty="0" smtClean="0"/>
-              <a:t>D.J. Davis   All Rights Reserved</a:t>
+              <a:t>Copyright (C) 2019  D.J. Davis   All Rights Reserved</a:t>
+            </a:r>
+            <a:endParaRPr lang="en-US" dirty="0"/>
+          </a:p>
+        </p:txBody>
+      </p:sp>
+    </p:spTree>
+  </p:cSld>
+  <p:clrMapOvr>
+    <a:masterClrMapping/>
+  </p:clrMapOvr>
+  <p:timing>
+    <p:tnLst>
+      <p:par>
+        <p:cTn id="1" dur="indefinite" restart="never" nodeType="tmRoot"/>
+      </p:par>
+    </p:tnLst>
+  </p:timing>
+</p:sld>
+</file>
+
+<file path=ppt/slides/slide30.xml><?xml version="1.0" encoding="utf-8"?>
+<p:sld xmlns:a="http://schemas.openxmlformats.org/drawingml/2006/main" xmlns:r="http://schemas.openxmlformats.org/officeDocument/2006/relationships" xmlns:p="http://schemas.openxmlformats.org/presentationml/2006/main">
+  <p:cSld>
+    <p:spTree>
+      <p:nvGrpSpPr>
+        <p:cNvPr id="1" name=""/>
+        <p:cNvGrpSpPr/>
+        <p:nvPr/>
+      </p:nvGrpSpPr>
+      <p:grpSpPr>
+        <a:xfrm>
+          <a:off x="0" y="0"/>
+          <a:ext cx="0" cy="0"/>
+          <a:chOff x="0" y="0"/>
+          <a:chExt cx="0" cy="0"/>
+        </a:xfrm>
+      </p:grpSpPr>
+      <p:sp>
+        <p:nvSpPr>
+          <p:cNvPr id="2" name="Title 1"/>
+          <p:cNvSpPr>
+            <a:spLocks noGrp="1"/>
+          </p:cNvSpPr>
+          <p:nvPr>
+            <p:ph type="title"/>
+          </p:nvPr>
+        </p:nvSpPr>
+        <p:spPr/>
+        <p:txBody>
+          <a:bodyPr/>
+          <a:lstStyle/>
+          <a:p>
+            <a:endParaRPr lang="en-US" dirty="0"/>
+          </a:p>
+        </p:txBody>
+      </p:sp>
+      <p:sp>
+        <p:nvSpPr>
+          <p:cNvPr id="3" name="Content Placeholder 2"/>
+          <p:cNvSpPr>
+            <a:spLocks noGrp="1"/>
+          </p:cNvSpPr>
+          <p:nvPr>
+            <p:ph idx="1"/>
+          </p:nvPr>
+        </p:nvSpPr>
+        <p:spPr/>
+        <p:txBody>
+          <a:bodyPr>
+            <a:normAutofit fontScale="62500" lnSpcReduction="20000"/>
+          </a:bodyPr>
+          <a:lstStyle/>
+          <a:p>
+            <a:endParaRPr lang="en-US" dirty="0" smtClean="0"/>
+          </a:p>
+          <a:p>
+            <a:endParaRPr lang="en-US" dirty="0" smtClean="0"/>
+          </a:p>
+          <a:p>
+            <a:endParaRPr lang="en-US" dirty="0" smtClean="0"/>
+          </a:p>
+          <a:p>
+            <a:pPr>
+              <a:buNone/>
+            </a:pPr>
+            <a:endParaRPr lang="en-US" i="1" dirty="0" smtClean="0">
+              <a:solidFill>
+                <a:srgbClr val="00B050"/>
+              </a:solidFill>
+            </a:endParaRPr>
+          </a:p>
+          <a:p>
+            <a:pPr>
+              <a:buNone/>
+            </a:pPr>
+            <a:endParaRPr lang="en-US" i="1" dirty="0" smtClean="0">
+              <a:solidFill>
+                <a:srgbClr val="00B050"/>
+              </a:solidFill>
+            </a:endParaRPr>
+          </a:p>
+          <a:p>
+            <a:pPr>
+              <a:buNone/>
+            </a:pPr>
+            <a:r>
+              <a:rPr lang="en-US" i="1" dirty="0" smtClean="0">
+                <a:solidFill>
+                  <a:srgbClr val="00B050"/>
+                </a:solidFill>
+              </a:rPr>
+              <a:t>About the author:</a:t>
+            </a:r>
+            <a:endParaRPr lang="en-US" dirty="0" smtClean="0">
+              <a:solidFill>
+                <a:srgbClr val="00B050"/>
+              </a:solidFill>
+            </a:endParaRPr>
+          </a:p>
+          <a:p>
+            <a:pPr>
+              <a:buNone/>
+            </a:pPr>
+            <a:r>
+              <a:rPr lang="en-US" b="1" dirty="0" smtClean="0">
+                <a:solidFill>
+                  <a:srgbClr val="002060"/>
+                </a:solidFill>
+              </a:rPr>
+              <a:t>D.J. Davis</a:t>
+            </a:r>
+            <a:r>
+              <a:rPr lang="en-US" dirty="0" smtClean="0">
+                <a:solidFill>
+                  <a:srgbClr val="002060"/>
+                </a:solidFill>
+              </a:rPr>
+              <a:t> is a Technologist with the Federal Government. Previously, he worked as a Sustaining Team Lead / Team Manager with the Richmond Engineering R&amp;D center of </a:t>
+            </a:r>
+            <a:r>
+              <a:rPr lang="en-US" dirty="0" err="1" smtClean="0">
+                <a:solidFill>
+                  <a:srgbClr val="C00000"/>
+                </a:solidFill>
+              </a:rPr>
+              <a:t>Acision</a:t>
+            </a:r>
+            <a:r>
+              <a:rPr lang="en-US" dirty="0" smtClean="0">
+                <a:solidFill>
+                  <a:srgbClr val="C00000"/>
+                </a:solidFill>
+              </a:rPr>
+              <a:t> LLC</a:t>
+            </a:r>
+            <a:r>
+              <a:rPr lang="en-US" dirty="0" smtClean="0">
+                <a:solidFill>
+                  <a:srgbClr val="002060"/>
+                </a:solidFill>
+              </a:rPr>
+              <a:t>, </a:t>
+            </a:r>
+            <a:r>
+              <a:rPr lang="en-US" dirty="0">
+                <a:solidFill>
+                  <a:srgbClr val="002060"/>
+                </a:solidFill>
+              </a:rPr>
+              <a:t>a</a:t>
+            </a:r>
+            <a:r>
+              <a:rPr lang="en-US" dirty="0" smtClean="0">
+                <a:solidFill>
+                  <a:srgbClr val="002060"/>
+                </a:solidFill>
+              </a:rPr>
+              <a:t> career college instructor, an integration contractor for the Navy, a WAN Design engineer with WorldCom, and multiple positions at the City of Richmond (network engineer, systems engineer, senior programmer/analyst).</a:t>
+            </a:r>
+          </a:p>
+          <a:p>
+            <a:pPr>
+              <a:buNone/>
+            </a:pPr>
+            <a:r>
+              <a:rPr lang="en-US" dirty="0" smtClean="0">
+                <a:solidFill>
+                  <a:srgbClr val="002060"/>
+                </a:solidFill>
+              </a:rPr>
+              <a:t>	</a:t>
+            </a:r>
+          </a:p>
+          <a:p>
+            <a:pPr>
+              <a:buNone/>
+            </a:pPr>
+            <a:r>
+              <a:rPr lang="en-US" dirty="0" smtClean="0">
+                <a:solidFill>
+                  <a:srgbClr val="002060"/>
+                </a:solidFill>
+              </a:rPr>
+              <a:t>	D.J. is a Richmond native who attended Virginia Commonwealth University where he majored in Information Systems</a:t>
+            </a:r>
+            <a:r>
+              <a:rPr lang="en-US" dirty="0">
+                <a:solidFill>
+                  <a:srgbClr val="002060"/>
+                </a:solidFill>
+              </a:rPr>
+              <a:t> </a:t>
+            </a:r>
+            <a:r>
+              <a:rPr lang="en-US" dirty="0" smtClean="0">
+                <a:solidFill>
+                  <a:srgbClr val="002060"/>
+                </a:solidFill>
+              </a:rPr>
+              <a:t>at the School of Business.  He returned to VCU to earn an M.S. in Business with a concentration in IT Management (VCU FTEMS).</a:t>
+            </a:r>
+          </a:p>
+          <a:p>
+            <a:pPr>
+              <a:buNone/>
+            </a:pPr>
+            <a:endParaRPr lang="en-US" dirty="0" smtClean="0">
+              <a:solidFill>
+                <a:srgbClr val="002060"/>
+              </a:solidFill>
+            </a:endParaRPr>
+          </a:p>
+          <a:p>
+            <a:pPr algn="ctr">
+              <a:buNone/>
+            </a:pPr>
+            <a:r>
+              <a:rPr lang="en-US" b="1" dirty="0" smtClean="0">
+                <a:solidFill>
+                  <a:srgbClr val="00B050"/>
+                </a:solidFill>
+              </a:rPr>
+              <a:t>Contact:</a:t>
+            </a:r>
+            <a:r>
+              <a:rPr lang="en-US" dirty="0" smtClean="0">
+                <a:solidFill>
+                  <a:srgbClr val="00B050"/>
+                </a:solidFill>
+              </a:rPr>
+              <a:t>  compugram_ltd@yahoo.com</a:t>
+            </a:r>
+          </a:p>
+          <a:p>
+            <a:pPr>
+              <a:buNone/>
+            </a:pPr>
+            <a:endParaRPr lang="en-US" dirty="0"/>
+          </a:p>
+        </p:txBody>
+      </p:sp>
+      <p:pic>
+        <p:nvPicPr>
+          <p:cNvPr id="4" name="Picture 2" descr="C:\Users\davisdj\AppData\Local\Microsoft\Windows\Temporary Internet Files\Content.IE5\3G47S375\MP900422756[1].jpg"/>
+          <p:cNvPicPr>
+            <a:picLocks noChangeAspect="1" noChangeArrowheads="1"/>
+          </p:cNvPicPr>
+          <p:nvPr/>
+        </p:nvPicPr>
+        <p:blipFill>
+          <a:blip r:embed="rId2" cstate="print"/>
+          <a:srcRect/>
+          <a:stretch>
+            <a:fillRect/>
+          </a:stretch>
+        </p:blipFill>
+        <p:spPr bwMode="auto">
+          <a:xfrm>
+            <a:off x="533400" y="228600"/>
+            <a:ext cx="2362200" cy="2362200"/>
+          </a:xfrm>
+          <a:prstGeom prst="rect">
+            <a:avLst/>
+          </a:prstGeom>
+          <a:noFill/>
+        </p:spPr>
+      </p:pic>
+      <p:sp>
+        <p:nvSpPr>
+          <p:cNvPr id="5" name="Footer Placeholder 4"/>
+          <p:cNvSpPr>
+            <a:spLocks noGrp="1"/>
+          </p:cNvSpPr>
+          <p:nvPr>
+            <p:ph type="ftr" sz="quarter" idx="11"/>
+          </p:nvPr>
+        </p:nvSpPr>
+        <p:spPr/>
+        <p:txBody>
+          <a:bodyPr/>
+          <a:lstStyle/>
+          <a:p>
+            <a:r>
+              <a:rPr lang="en-US" dirty="0" smtClean="0"/>
+              <a:t>Copyright (C) 2019  D.J. Davis   All Rights Reserved</a:t>
             </a:r>
             <a:endParaRPr lang="en-US" dirty="0"/>
           </a:p>
@@ -8799,15 +8622,7 @@
           <a:p>
             <a:r>
               <a:rPr lang="en-US" dirty="0" smtClean="0"/>
-              <a:t>Copyright (C) </a:t>
-            </a:r>
-            <a:r>
-              <a:rPr lang="en-US" dirty="0" smtClean="0"/>
-              <a:t>2019  </a:t>
-            </a:r>
-            <a:r>
-              <a:rPr lang="en-US" dirty="0" smtClean="0"/>
-              <a:t>D.J. Davis   All Rights Reserved</a:t>
+              <a:t>Copyright (C) 2019  D.J. Davis   All Rights Reserved</a:t>
             </a:r>
             <a:endParaRPr lang="en-US" dirty="0"/>
           </a:p>
@@ -8889,7 +8704,6 @@
               <a:rPr lang="en-US" sz="2800" dirty="0" smtClean="0"/>
               <a:t>Want a Python program to have multiple modules that talk to each other</a:t>
             </a:r>
-            <a:endParaRPr lang="en-US" sz="2800" dirty="0" smtClean="0"/>
           </a:p>
           <a:p>
             <a:r>
@@ -8908,7 +8722,6 @@
               <a:rPr lang="en-US" sz="2800" dirty="0" smtClean="0"/>
               <a:t>using a separate application</a:t>
             </a:r>
-            <a:endParaRPr lang="en-US" sz="2800" dirty="0" smtClean="0"/>
           </a:p>
           <a:p>
             <a:r>
@@ -8955,7 +8768,6 @@
               <a:rPr lang="en-US" dirty="0" smtClean="0"/>
               <a:t>Sensors – Pedals, Steering, Wheel Sensors</a:t>
             </a:r>
-            <a:endParaRPr lang="en-US" dirty="0" smtClean="0"/>
           </a:p>
           <a:p>
             <a:endParaRPr lang="en-US" dirty="0"/>
@@ -8979,7 +8791,15 @@
           <a:p>
             <a:r>
               <a:rPr lang="en-US" dirty="0" smtClean="0"/>
-              <a:t>Copyright (C) 2015  D.J. Davis   All Rights Reserved</a:t>
+              <a:t>Copyright (C) </a:t>
+            </a:r>
+            <a:r>
+              <a:rPr lang="en-US" dirty="0" smtClean="0"/>
+              <a:t>2019  </a:t>
+            </a:r>
+            <a:r>
+              <a:rPr lang="en-US" dirty="0" smtClean="0"/>
+              <a:t>D.J. Davis   All Rights Reserved</a:t>
             </a:r>
             <a:endParaRPr lang="en-US" dirty="0"/>
           </a:p>
@@ -9068,11 +8888,41 @@
                 <a:tableStyleId>{5C22544A-7EE6-4342-B048-85BDC9FD1C3A}</a:tableStyleId>
               </a:tblPr>
               <a:tblGrid>
-                <a:gridCol w="1645920"/>
-                <a:gridCol w="1645920"/>
-                <a:gridCol w="1645920"/>
-                <a:gridCol w="1645920"/>
-                <a:gridCol w="1645920"/>
+                <a:gridCol w="1645920">
+                  <a:extLst>
+                    <a:ext uri="{9D8B030D-6E8A-4147-A177-3AD203B41FA5}">
+                      <a16:colId xmlns:a16="http://schemas.microsoft.com/office/drawing/2014/main" val="20000"/>
+                    </a:ext>
+                  </a:extLst>
+                </a:gridCol>
+                <a:gridCol w="1645920">
+                  <a:extLst>
+                    <a:ext uri="{9D8B030D-6E8A-4147-A177-3AD203B41FA5}">
+                      <a16:colId xmlns:a16="http://schemas.microsoft.com/office/drawing/2014/main" val="20001"/>
+                    </a:ext>
+                  </a:extLst>
+                </a:gridCol>
+                <a:gridCol w="1645920">
+                  <a:extLst>
+                    <a:ext uri="{9D8B030D-6E8A-4147-A177-3AD203B41FA5}">
+                      <a16:colId xmlns:a16="http://schemas.microsoft.com/office/drawing/2014/main" val="20002"/>
+                    </a:ext>
+                  </a:extLst>
+                </a:gridCol>
+                <a:gridCol w="1645920">
+                  <a:extLst>
+                    <a:ext uri="{9D8B030D-6E8A-4147-A177-3AD203B41FA5}">
+                      <a16:colId xmlns:a16="http://schemas.microsoft.com/office/drawing/2014/main" val="20003"/>
+                    </a:ext>
+                  </a:extLst>
+                </a:gridCol>
+                <a:gridCol w="1645920">
+                  <a:extLst>
+                    <a:ext uri="{9D8B030D-6E8A-4147-A177-3AD203B41FA5}">
+                      <a16:colId xmlns:a16="http://schemas.microsoft.com/office/drawing/2014/main" val="20004"/>
+                    </a:ext>
+                  </a:extLst>
+                </a:gridCol>
               </a:tblGrid>
               <a:tr h="370840">
                 <a:tc>
@@ -9145,6 +8995,11 @@
                   </a:txBody>
                   <a:tcPr/>
                 </a:tc>
+                <a:extLst>
+                  <a:ext uri="{0D108BD9-81ED-4DB2-BD59-A6C34878D82A}">
+                    <a16:rowId xmlns:a16="http://schemas.microsoft.com/office/drawing/2014/main" val="10000"/>
+                  </a:ext>
+                </a:extLst>
               </a:tr>
               <a:tr h="370840">
                 <a:tc>
@@ -9249,6 +9104,11 @@
                   </a:txBody>
                   <a:tcPr/>
                 </a:tc>
+                <a:extLst>
+                  <a:ext uri="{0D108BD9-81ED-4DB2-BD59-A6C34878D82A}">
+                    <a16:rowId xmlns:a16="http://schemas.microsoft.com/office/drawing/2014/main" val="10001"/>
+                  </a:ext>
+                </a:extLst>
               </a:tr>
               <a:tr h="370840">
                 <a:tc>
@@ -9353,6 +9213,11 @@
                   </a:txBody>
                   <a:tcPr/>
                 </a:tc>
+                <a:extLst>
+                  <a:ext uri="{0D108BD9-81ED-4DB2-BD59-A6C34878D82A}">
+                    <a16:rowId xmlns:a16="http://schemas.microsoft.com/office/drawing/2014/main" val="10002"/>
+                  </a:ext>
+                </a:extLst>
               </a:tr>
               <a:tr h="370840">
                 <a:tc>
@@ -9457,6 +9322,11 @@
                   </a:txBody>
                   <a:tcPr/>
                 </a:tc>
+                <a:extLst>
+                  <a:ext uri="{0D108BD9-81ED-4DB2-BD59-A6C34878D82A}">
+                    <a16:rowId xmlns:a16="http://schemas.microsoft.com/office/drawing/2014/main" val="10003"/>
+                  </a:ext>
+                </a:extLst>
               </a:tr>
               <a:tr h="370840">
                 <a:tc>
@@ -9561,6 +9431,11 @@
                   </a:txBody>
                   <a:tcPr/>
                 </a:tc>
+                <a:extLst>
+                  <a:ext uri="{0D108BD9-81ED-4DB2-BD59-A6C34878D82A}">
+                    <a16:rowId xmlns:a16="http://schemas.microsoft.com/office/drawing/2014/main" val="10004"/>
+                  </a:ext>
+                </a:extLst>
               </a:tr>
               <a:tr h="370840">
                 <a:tc>
@@ -9665,6 +9540,11 @@
                   </a:txBody>
                   <a:tcPr/>
                 </a:tc>
+                <a:extLst>
+                  <a:ext uri="{0D108BD9-81ED-4DB2-BD59-A6C34878D82A}">
+                    <a16:rowId xmlns:a16="http://schemas.microsoft.com/office/drawing/2014/main" val="10005"/>
+                  </a:ext>
+                </a:extLst>
               </a:tr>
               <a:tr h="370840">
                 <a:tc>
@@ -9769,6 +9649,11 @@
                   </a:txBody>
                   <a:tcPr/>
                 </a:tc>
+                <a:extLst>
+                  <a:ext uri="{0D108BD9-81ED-4DB2-BD59-A6C34878D82A}">
+                    <a16:rowId xmlns:a16="http://schemas.microsoft.com/office/drawing/2014/main" val="10006"/>
+                  </a:ext>
+                </a:extLst>
               </a:tr>
             </a:tbl>
           </a:graphicData>
@@ -9791,15 +9676,7 @@
           <a:p>
             <a:r>
               <a:rPr lang="en-US" dirty="0" smtClean="0"/>
-              <a:t>Copyright (C) </a:t>
-            </a:r>
-            <a:r>
-              <a:rPr lang="en-US" dirty="0" smtClean="0"/>
-              <a:t>2019  </a:t>
-            </a:r>
-            <a:r>
-              <a:rPr lang="en-US" dirty="0" smtClean="0"/>
-              <a:t>D.J. Davis   All Rights Reserved</a:t>
+              <a:t>Copyright (C) 2019  D.J. Davis   All Rights Reserved</a:t>
             </a:r>
             <a:endParaRPr lang="en-US" dirty="0"/>
           </a:p>
@@ -9829,15 +9706,7 @@
           <a:p>
             <a:r>
               <a:rPr lang="en-US" dirty="0" smtClean="0"/>
-              <a:t>Courtesy: codecalamity.com/</a:t>
-            </a:r>
-            <a:r>
-              <a:rPr lang="en-US" dirty="0" smtClean="0"/>
-              <a:t>interprocess</a:t>
-            </a:r>
-            <a:r>
-              <a:rPr lang="en-US" dirty="0" smtClean="0"/>
-              <a:t>-communications</a:t>
+              <a:t>Courtesy: codecalamity.com/interprocess-communications</a:t>
             </a:r>
             <a:endParaRPr lang="en-US" dirty="0"/>
           </a:p>
@@ -9901,7 +9770,6 @@
               <a:rPr lang="en-US" sz="3600" dirty="0"/>
               <a:t>Current Python Releases</a:t>
             </a:r>
-            <a:endParaRPr lang="en-US" sz="3600" dirty="0"/>
           </a:p>
         </p:txBody>
       </p:sp>
@@ -10050,15 +9918,7 @@
           <a:p>
             <a:r>
               <a:rPr lang="en-US" dirty="0" smtClean="0"/>
-              <a:t>Copyright (C) </a:t>
-            </a:r>
-            <a:r>
-              <a:rPr lang="en-US" dirty="0" smtClean="0"/>
-              <a:t>2019  </a:t>
-            </a:r>
-            <a:r>
-              <a:rPr lang="en-US" dirty="0" smtClean="0"/>
-              <a:t>D.J. Davis   All Rights Reserved</a:t>
+              <a:t>Copyright (C) 2019  D.J. Davis   All Rights Reserved</a:t>
             </a:r>
             <a:endParaRPr lang="en-US" dirty="0"/>
           </a:p>
@@ -10213,15 +10073,7 @@
           <a:p>
             <a:r>
               <a:rPr lang="en-US" dirty="0" smtClean="0"/>
-              <a:t>Copyright (C) </a:t>
-            </a:r>
-            <a:r>
-              <a:rPr lang="en-US" dirty="0" smtClean="0"/>
-              <a:t>2019  </a:t>
-            </a:r>
-            <a:r>
-              <a:rPr lang="en-US" dirty="0" smtClean="0"/>
-              <a:t>D.J. Davis   All Rights Reserved</a:t>
+              <a:t>Copyright (C) 2019  D.J. Davis   All Rights Reserved</a:t>
             </a:r>
             <a:endParaRPr lang="en-US" dirty="0"/>
           </a:p>
@@ -10332,15 +10184,7 @@
             <a:pPr lvl="1"/>
             <a:r>
               <a:rPr lang="en-US" dirty="0" smtClean="0"/>
-              <a:t>Python 2.7.18 will coincide with </a:t>
-            </a:r>
-            <a:r>
-              <a:rPr lang="en-US" dirty="0" smtClean="0"/>
-              <a:t>PyCon</a:t>
-            </a:r>
-            <a:r>
-              <a:rPr lang="en-US" dirty="0" smtClean="0"/>
-              <a:t> 2020 in April</a:t>
+              <a:t>Python 2.7.18 will coincide with PyCon 2020 in April</a:t>
             </a:r>
             <a:endParaRPr lang="en-US" dirty="0"/>
           </a:p>
@@ -10363,15 +10207,7 @@
           <a:p>
             <a:r>
               <a:rPr lang="en-US" dirty="0" smtClean="0"/>
-              <a:t>Copyright (C) </a:t>
-            </a:r>
-            <a:r>
-              <a:rPr lang="en-US" dirty="0" smtClean="0"/>
-              <a:t>2019  </a:t>
-            </a:r>
-            <a:r>
-              <a:rPr lang="en-US" dirty="0" smtClean="0"/>
-              <a:t>D.J. Davis   All Rights Reserved</a:t>
+              <a:t>Copyright (C) 2019  D.J. Davis   All Rights Reserved</a:t>
             </a:r>
             <a:endParaRPr lang="en-US" dirty="0"/>
           </a:p>
